--- a/20140220-embedded_software_development.pptx
+++ b/20140220-embedded_software_development.pptx
@@ -207,7 +207,7 @@
           <a:p>
             <a:fld id="{740616EA-7DD0-4941-A75A-3667382BAFA7}" type="datetimeFigureOut">
               <a:rPr lang="en-AU" smtClean="0"/>
-              <a:t>19/02/2014</a:t>
+              <a:t>6/06/2016</a:t>
             </a:fld>
             <a:endParaRPr lang="en-AU"/>
           </a:p>
@@ -373,7 +373,7 @@
           <a:p>
             <a:fld id="{587278A0-4A02-4D4B-A8AB-1E1752F8063F}" type="datetimeFigureOut">
               <a:rPr lang="en-AU" smtClean="0"/>
-              <a:t>19/02/2014</a:t>
+              <a:t>6/06/2016</a:t>
             </a:fld>
             <a:endParaRPr lang="en-AU"/>
           </a:p>
@@ -1453,7 +1453,7 @@
           <a:p>
             <a:fld id="{0EAB0777-4C60-462E-A92C-CDAFD498799C}" type="datetimeFigureOut">
               <a:rPr lang="en-US" smtClean="0"/>
-              <a:t>2/19/2014</a:t>
+              <a:t>6/6/2016</a:t>
             </a:fld>
             <a:endParaRPr lang="en-US"/>
           </a:p>
@@ -1622,7 +1622,7 @@
           <a:p>
             <a:fld id="{0EAB0777-4C60-462E-A92C-CDAFD498799C}" type="datetimeFigureOut">
               <a:rPr lang="en-US" smtClean="0"/>
-              <a:t>2/19/2014</a:t>
+              <a:t>6/6/2016</a:t>
             </a:fld>
             <a:endParaRPr lang="en-US"/>
           </a:p>
@@ -1868,7 +1868,7 @@
           <a:p>
             <a:fld id="{0EAB0777-4C60-462E-A92C-CDAFD498799C}" type="datetimeFigureOut">
               <a:rPr lang="en-US" smtClean="0"/>
-              <a:t>2/19/2014</a:t>
+              <a:t>6/6/2016</a:t>
             </a:fld>
             <a:endParaRPr lang="en-US"/>
           </a:p>
@@ -2136,7 +2136,7 @@
           <a:p>
             <a:fld id="{0EAB0777-4C60-462E-A92C-CDAFD498799C}" type="datetimeFigureOut">
               <a:rPr lang="en-US" smtClean="0"/>
-              <a:t>2/19/2014</a:t>
+              <a:t>6/6/2016</a:t>
             </a:fld>
             <a:endParaRPr lang="en-US"/>
           </a:p>
@@ -2518,7 +2518,7 @@
           <a:p>
             <a:fld id="{0EAB0777-4C60-462E-A92C-CDAFD498799C}" type="datetimeFigureOut">
               <a:rPr lang="en-US" smtClean="0"/>
-              <a:t>2/19/2014</a:t>
+              <a:t>6/6/2016</a:t>
             </a:fld>
             <a:endParaRPr lang="en-US"/>
           </a:p>
@@ -2672,7 +2672,7 @@
           <a:p>
             <a:fld id="{0EAB0777-4C60-462E-A92C-CDAFD498799C}" type="datetimeFigureOut">
               <a:rPr lang="en-US" smtClean="0"/>
-              <a:t>2/19/2014</a:t>
+              <a:t>6/6/2016</a:t>
             </a:fld>
             <a:endParaRPr lang="en-US"/>
           </a:p>
@@ -2766,7 +2766,7 @@
           <a:p>
             <a:fld id="{0EAB0777-4C60-462E-A92C-CDAFD498799C}" type="datetimeFigureOut">
               <a:rPr lang="en-US" smtClean="0"/>
-              <a:t>2/19/2014</a:t>
+              <a:t>6/6/2016</a:t>
             </a:fld>
             <a:endParaRPr lang="en-US"/>
           </a:p>
@@ -3031,7 +3031,7 @@
           <a:p>
             <a:fld id="{0EAB0777-4C60-462E-A92C-CDAFD498799C}" type="datetimeFigureOut">
               <a:rPr lang="en-US" smtClean="0"/>
-              <a:t>2/19/2014</a:t>
+              <a:t>6/6/2016</a:t>
             </a:fld>
             <a:endParaRPr lang="en-US"/>
           </a:p>
@@ -3514,7 +3514,7 @@
           <a:p>
             <a:fld id="{0EAB0777-4C60-462E-A92C-CDAFD498799C}" type="datetimeFigureOut">
               <a:rPr lang="en-US" smtClean="0"/>
-              <a:t>2/19/2014</a:t>
+              <a:t>6/6/2016</a:t>
             </a:fld>
             <a:endParaRPr lang="en-US"/>
           </a:p>
@@ -3990,7 +3990,7 @@
           <a:p>
             <a:fld id="{0EAB0777-4C60-462E-A92C-CDAFD498799C}" type="datetimeFigureOut">
               <a:rPr lang="en-US" smtClean="0"/>
-              <a:t>2/19/2014</a:t>
+              <a:t>6/6/2016</a:t>
             </a:fld>
             <a:endParaRPr lang="en-US"/>
           </a:p>
@@ -4169,7 +4169,7 @@
           <a:p>
             <a:fld id="{0EAB0777-4C60-462E-A92C-CDAFD498799C}" type="datetimeFigureOut">
               <a:rPr lang="en-US" smtClean="0"/>
-              <a:t>2/19/2014</a:t>
+              <a:t>6/6/2016</a:t>
             </a:fld>
             <a:endParaRPr lang="en-US"/>
           </a:p>
@@ -6812,7 +6812,7 @@
           <a:p>
             <a:fld id="{0EAB0777-4C60-462E-A92C-CDAFD498799C}" type="datetimeFigureOut">
               <a:rPr lang="en-US" smtClean="0"/>
-              <a:t>2/19/2014</a:t>
+              <a:t>6/6/2016</a:t>
             </a:fld>
             <a:endParaRPr lang="en-US"/>
           </a:p>
@@ -7706,8 +7706,8 @@
               <a:t>Global data – pre-allocated at </a:t>
             </a:r>
             <a:r>
-              <a:rPr lang="en-AU" dirty="0" err="1"/>
-              <a:t>startup</a:t>
+              <a:rPr lang="en-AU" dirty="0" smtClean="0"/>
+              <a:t>start-up</a:t>
             </a:r>
             <a:endParaRPr lang="en-AU" dirty="0"/>
           </a:p>
@@ -7741,7 +7741,7 @@
             </a:r>
             <a:r>
               <a:rPr lang="en-AU" dirty="0" smtClean="0"/>
-              <a:t>protection</a:t>
+              <a:t>protection…</a:t>
             </a:r>
             <a:endParaRPr lang="en-AU" dirty="0"/>
           </a:p>
@@ -7864,11 +7864,7 @@
           <a:p>
             <a:r>
               <a:rPr lang="en-US" dirty="0" smtClean="0"/>
-              <a:t>System </a:t>
-            </a:r>
-            <a:r>
-              <a:rPr lang="en-US" dirty="0" smtClean="0"/>
-              <a:t>issues</a:t>
+              <a:t>System issues</a:t>
             </a:r>
             <a:endParaRPr lang="en-US" dirty="0"/>
           </a:p>
@@ -7934,8 +7930,8 @@
               <a:t>keyboard, mouse, display, </a:t>
             </a:r>
             <a:r>
-              <a:rPr lang="en-AU" dirty="0" err="1"/>
-              <a:t>filesystem</a:t>
+              <a:rPr lang="en-AU" dirty="0" smtClean="0"/>
+              <a:t>file-system</a:t>
             </a:r>
             <a:r>
               <a:rPr lang="en-AU" dirty="0"/>
@@ -8137,23 +8133,19 @@
             </a:r>
             <a:r>
               <a:rPr lang="en-AU" dirty="0"/>
-              <a:t>bulletproof I/Fs (PCI, </a:t>
-            </a:r>
-            <a:r>
-              <a:rPr lang="en-AU" dirty="0"/>
-              <a:t>E</a:t>
+              <a:t>bulletproof I/Fs (PCI, E</a:t>
             </a:r>
             <a:r>
               <a:rPr lang="en-AU" dirty="0" smtClean="0"/>
-              <a:t>thernet, </a:t>
-            </a:r>
-            <a:r>
-              <a:rPr lang="en-AU" dirty="0" err="1" smtClean="0"/>
-              <a:t>etc</a:t>
-            </a:r>
-            <a:r>
-              <a:rPr lang="en-AU" dirty="0" smtClean="0"/>
-              <a:t>)</a:t>
+              <a:t>thernet</a:t>
+            </a:r>
+            <a:r>
+              <a:rPr lang="en-AU" smtClean="0"/>
+              <a:t>, </a:t>
+            </a:r>
+            <a:r>
+              <a:rPr lang="en-AU" smtClean="0"/>
+              <a:t>etc.)</a:t>
             </a:r>
             <a:endParaRPr lang="en-AU" dirty="0"/>
           </a:p>
@@ -8681,7 +8673,6 @@
               <a:rPr lang="en-US" u="sng" dirty="0" smtClean="0"/>
               <a:t>Micro-controller based systems</a:t>
             </a:r>
-            <a:endParaRPr lang="en-US" u="sng" dirty="0" smtClean="0"/>
           </a:p>
           <a:p>
             <a:r>
@@ -8861,11 +8852,7 @@
           <a:p>
             <a:r>
               <a:rPr lang="en-US" sz="2000" u="sng" dirty="0" smtClean="0"/>
-              <a:t>Programmable/custom </a:t>
-            </a:r>
-            <a:r>
-              <a:rPr lang="en-US" sz="2000" u="sng" dirty="0" smtClean="0"/>
-              <a:t>hardware</a:t>
+              <a:t>Programmable/custom hardware</a:t>
             </a:r>
           </a:p>
           <a:p>
@@ -8888,8 +8875,8 @@
               <a:t>You choose clock speed, complexity </a:t>
             </a:r>
             <a:r>
-              <a:rPr lang="en-US" sz="2000" dirty="0" err="1" smtClean="0"/>
-              <a:t>etc</a:t>
+              <a:rPr lang="en-US" sz="2000" dirty="0" smtClean="0"/>
+              <a:t>etc.</a:t>
             </a:r>
             <a:endParaRPr lang="en-US" sz="2000" dirty="0" smtClean="0"/>
           </a:p>
@@ -8905,7 +8892,6 @@
               <a:rPr lang="en-US" sz="2000" dirty="0" smtClean="0"/>
               <a:t>Team up with large external RAM, ROM, Flash for more capable systems</a:t>
             </a:r>
-            <a:endParaRPr lang="en-US" sz="2000" dirty="0" smtClean="0"/>
           </a:p>
           <a:p>
             <a:r>
@@ -8920,8 +8906,8 @@
               <a:t>A large array of general purpose logic elements that can be configured to implement processors, memory banks, interfaces </a:t>
             </a:r>
             <a:r>
-              <a:rPr lang="en-US" sz="2000" dirty="0" err="1" smtClean="0"/>
-              <a:t>etc</a:t>
+              <a:rPr lang="en-US" sz="2000" dirty="0" smtClean="0"/>
+              <a:t>etc.</a:t>
             </a:r>
             <a:endParaRPr lang="en-US" sz="2000" dirty="0"/>
           </a:p>
@@ -8970,11 +8956,7 @@
             <a:pPr lvl="1"/>
             <a:r>
               <a:rPr lang="en-AU" sz="2000" dirty="0" smtClean="0"/>
-              <a:t>m</a:t>
-            </a:r>
-            <a:r>
-              <a:rPr lang="en-AU" sz="2000" dirty="0" smtClean="0"/>
-              <a:t>inimize </a:t>
+              <a:t>minimize </a:t>
             </a:r>
             <a:r>
               <a:rPr lang="en-AU" sz="2000" dirty="0"/>
@@ -9125,11 +9107,15 @@
             <a:pPr lvl="1"/>
             <a:r>
               <a:rPr lang="en-US" dirty="0" err="1" smtClean="0"/>
-              <a:t>Renasas</a:t>
+              <a:t>Renesas</a:t>
             </a:r>
             <a:r>
               <a:rPr lang="en-US" dirty="0" smtClean="0"/>
-              <a:t> microcontroller (128K Flash, 32-bit @ 20MHz)</a:t>
+              <a:t> </a:t>
+            </a:r>
+            <a:r>
+              <a:rPr lang="en-US" dirty="0" smtClean="0"/>
+              <a:t>microcontroller (128K Flash, 32-bit @ 20MHz)</a:t>
             </a:r>
           </a:p>
           <a:p>
@@ -9252,11 +9238,54 @@
           <a:p>
             <a:r>
               <a:rPr lang="en-US" dirty="0" smtClean="0"/>
-              <a:t>Brother printer (HL-1270N </a:t>
-            </a:r>
+              <a:t>Brother printer (HL-1270N - 1999)</a:t>
+            </a:r>
+          </a:p>
+          <a:p>
+            <a:pPr lvl="1"/>
             <a:r>
               <a:rPr lang="en-US" dirty="0" smtClean="0"/>
-              <a:t>- 1999</a:t>
+              <a:t>ASIC (</a:t>
+            </a:r>
+            <a:r>
+              <a:rPr lang="en-US" dirty="0" err="1" smtClean="0"/>
+              <a:t>SPARClite</a:t>
+            </a:r>
+            <a:r>
+              <a:rPr lang="en-US" dirty="0" smtClean="0"/>
+              <a:t> core @66MHz)</a:t>
+            </a:r>
+          </a:p>
+          <a:p>
+            <a:pPr lvl="1"/>
+            <a:r>
+              <a:rPr lang="en-US" dirty="0" smtClean="0"/>
+              <a:t>1MB ROM (software), 4MB RAM</a:t>
+            </a:r>
+          </a:p>
+          <a:p>
+            <a:r>
+              <a:rPr lang="en-US" dirty="0" smtClean="0"/>
+              <a:t>Brother printer (HL-1650 - 2001)</a:t>
+            </a:r>
+          </a:p>
+          <a:p>
+            <a:pPr lvl="1"/>
+            <a:r>
+              <a:rPr lang="en-US" dirty="0" smtClean="0"/>
+              <a:t>ASIC (</a:t>
+            </a:r>
+            <a:r>
+              <a:rPr lang="en-US" dirty="0" err="1" smtClean="0"/>
+              <a:t>SPARClite</a:t>
+            </a:r>
+            <a:r>
+              <a:rPr lang="en-US" dirty="0" smtClean="0"/>
+              <a:t> core @ 96MHz, bus I/F </a:t>
+            </a:r>
+            <a:r>
+              <a:rPr lang="en-US" dirty="0" err="1" smtClean="0"/>
+              <a:t>etc</a:t>
             </a:r>
             <a:r>
               <a:rPr lang="en-US" dirty="0" smtClean="0"/>
@@ -9267,120 +9296,35 @@
             <a:pPr lvl="1"/>
             <a:r>
               <a:rPr lang="en-US" dirty="0" smtClean="0"/>
-              <a:t>ASIC (</a:t>
-            </a:r>
-            <a:r>
-              <a:rPr lang="en-US" dirty="0" err="1" smtClean="0"/>
-              <a:t>SPARClite</a:t>
-            </a:r>
+              <a:t>16MB ROM (software), 2MB Flash, 8MB RAM</a:t>
+            </a:r>
+          </a:p>
+          <a:p>
             <a:r>
               <a:rPr lang="en-US" dirty="0" smtClean="0"/>
-              <a:t> core @66MHz)</a:t>
+              <a:t>Canon printer (MG5560 - 2013)</a:t>
             </a:r>
           </a:p>
           <a:p>
             <a:pPr lvl="1"/>
             <a:r>
               <a:rPr lang="en-US" dirty="0" smtClean="0"/>
-              <a:t>1MB </a:t>
+              <a:t>ASIC (ARM + </a:t>
             </a:r>
             <a:r>
               <a:rPr lang="en-US" dirty="0" smtClean="0"/>
-              <a:t>ROM (software), </a:t>
-            </a:r>
-            <a:r>
-              <a:rPr lang="en-US" dirty="0" smtClean="0"/>
-              <a:t>4MB RAM</a:t>
-            </a:r>
-          </a:p>
-          <a:p>
-            <a:r>
-              <a:rPr lang="en-US" dirty="0" smtClean="0"/>
-              <a:t>Brother printer (HL-1650 </a:t>
-            </a:r>
-            <a:r>
-              <a:rPr lang="en-US" dirty="0" smtClean="0"/>
-              <a:t>- 2001</a:t>
-            </a:r>
-            <a:r>
-              <a:rPr lang="en-US" dirty="0" smtClean="0"/>
-              <a:t>)</a:t>
-            </a:r>
-          </a:p>
-          <a:p>
-            <a:pPr lvl="1"/>
-            <a:r>
-              <a:rPr lang="en-US" dirty="0" smtClean="0"/>
-              <a:t>ASIC (</a:t>
-            </a:r>
-            <a:r>
-              <a:rPr lang="en-US" dirty="0" err="1" smtClean="0"/>
-              <a:t>SPARClite</a:t>
-            </a:r>
-            <a:r>
-              <a:rPr lang="en-US" dirty="0" smtClean="0"/>
-              <a:t> core @ 96MHz, bus I/F </a:t>
-            </a:r>
-            <a:r>
-              <a:rPr lang="en-US" dirty="0" err="1" smtClean="0"/>
-              <a:t>etc</a:t>
-            </a:r>
-            <a:r>
-              <a:rPr lang="en-US" dirty="0" smtClean="0"/>
-              <a:t>)</a:t>
-            </a:r>
-          </a:p>
-          <a:p>
-            <a:pPr lvl="1"/>
-            <a:r>
-              <a:rPr lang="en-US" dirty="0" smtClean="0"/>
-              <a:t>16MB </a:t>
-            </a:r>
-            <a:r>
-              <a:rPr lang="en-US" dirty="0" smtClean="0"/>
-              <a:t>ROM (software), </a:t>
-            </a:r>
-            <a:r>
-              <a:rPr lang="en-US" dirty="0" smtClean="0"/>
-              <a:t>2MB Flash, 8MB RAM</a:t>
-            </a:r>
-          </a:p>
-          <a:p>
-            <a:r>
-              <a:rPr lang="en-US" dirty="0" smtClean="0"/>
-              <a:t>Canon printer (</a:t>
-            </a:r>
-            <a:r>
-              <a:rPr lang="en-US" dirty="0" smtClean="0"/>
-              <a:t>MG5560 - 2013)</a:t>
-            </a:r>
-            <a:endParaRPr lang="en-US" dirty="0" smtClean="0"/>
-          </a:p>
-          <a:p>
-            <a:pPr lvl="1"/>
-            <a:r>
-              <a:rPr lang="en-US" dirty="0" smtClean="0"/>
-              <a:t>ASIC (ARM + Relax </a:t>
+              <a:t>“other” </a:t>
             </a:r>
             <a:r>
               <a:rPr lang="en-US" dirty="0" smtClean="0"/>
               <a:t>cores, ROM (software), bus I/F)</a:t>
             </a:r>
-            <a:endParaRPr lang="en-US" dirty="0" smtClean="0"/>
           </a:p>
           <a:p>
             <a:pPr lvl="1"/>
             <a:r>
               <a:rPr lang="en-US" dirty="0" smtClean="0"/>
-              <a:t>32MB </a:t>
-            </a:r>
-            <a:r>
-              <a:rPr lang="en-US" dirty="0" smtClean="0"/>
-              <a:t>Flash (more software), 128MB </a:t>
-            </a:r>
-            <a:r>
-              <a:rPr lang="en-US" dirty="0" smtClean="0"/>
-              <a:t>RAM</a:t>
+              <a:t>32MB Flash (more software), 128MB RAM</a:t>
             </a:r>
             <a:endParaRPr lang="en-AU" dirty="0"/>
           </a:p>
